--- a/app_store_analysis_0421.pptx
+++ b/app_store_analysis_0421.pptx
@@ -19222,8 +19222,12 @@
           <a:lstStyle/>
           <a:p>
             <a:r>
+              <a:rPr lang="en-US" dirty="0" err="1"/>
+              <a:t>account_dat</a:t>
+            </a:r>
+            <a:r>
               <a:rPr lang="en-US" dirty="0"/>
-              <a:t>Twinning might be needed to prove the effect of dual-platform effect. </a:t>
+              <a:t> – impossible to do a cohort analysis between paid and free app</a:t>
             </a:r>
           </a:p>
         </p:txBody>
@@ -19245,7 +19249,7 @@
           <a:p>
             <a:fld id="{7A80126A-2C1F-4445-B2AC-683273255DF9}" type="slidenum">
               <a:rPr lang="en-US" smtClean="0"/>
-              <a:t>12</a:t>
+              <a:t>4</a:t>
             </a:fld>
             <a:endParaRPr lang="en-US"/>
           </a:p>
@@ -19254,7 +19258,7 @@
     </p:spTree>
     <p:extLst>
       <p:ext uri="{BB962C8B-B14F-4D97-AF65-F5344CB8AC3E}">
-        <p14:creationId xmlns:p14="http://schemas.microsoft.com/office/powerpoint/2010/main" val="1869277788"/>
+        <p14:creationId xmlns:p14="http://schemas.microsoft.com/office/powerpoint/2010/main" val="4292437536"/>
       </p:ext>
     </p:extLst>
   </p:cSld>
@@ -19310,7 +19314,471 @@
           <a:p>
             <a:r>
               <a:rPr lang="en-US" dirty="0"/>
-              <a:t>I should group by transaction type if time permits to better understand the recurring purchase. </a:t>
+              <a:t>html</a:t>
+            </a:r>
+          </a:p>
+          <a:p>
+            <a:r>
+              <a:rPr lang="en-US" dirty="0"/>
+              <a:t>not include data due to </a:t>
+            </a:r>
+            <a:r>
+              <a:rPr lang="en-US" dirty="0" err="1"/>
+              <a:t>github</a:t>
+            </a:r>
+            <a:r>
+              <a:rPr lang="en-US" dirty="0"/>
+              <a:t> limit</a:t>
+            </a:r>
+          </a:p>
+        </p:txBody>
+      </p:sp>
+      <p:sp>
+        <p:nvSpPr>
+          <p:cNvPr id="4" name="Slide Number Placeholder 3"/>
+          <p:cNvSpPr>
+            <a:spLocks noGrp="1"/>
+          </p:cNvSpPr>
+          <p:nvPr>
+            <p:ph type="sldNum" sz="quarter" idx="5"/>
+          </p:nvPr>
+        </p:nvSpPr>
+        <p:spPr/>
+        <p:txBody>
+          <a:bodyPr/>
+          <a:lstStyle/>
+          <a:p>
+            <a:fld id="{7A80126A-2C1F-4445-B2AC-683273255DF9}" type="slidenum">
+              <a:rPr lang="en-US" smtClean="0"/>
+              <a:t>5</a:t>
+            </a:fld>
+            <a:endParaRPr lang="en-US"/>
+          </a:p>
+        </p:txBody>
+      </p:sp>
+    </p:spTree>
+    <p:extLst>
+      <p:ext uri="{BB962C8B-B14F-4D97-AF65-F5344CB8AC3E}">
+        <p14:creationId xmlns:p14="http://schemas.microsoft.com/office/powerpoint/2010/main" val="3747709392"/>
+      </p:ext>
+    </p:extLst>
+  </p:cSld>
+  <p:clrMapOvr>
+    <a:masterClrMapping/>
+  </p:clrMapOvr>
+</p:notes>
+</file>
+
+<file path=ppt/notesSlides/notesSlide4.xml><?xml version="1.0" encoding="utf-8"?>
+<p:notes xmlns:a="http://schemas.openxmlformats.org/drawingml/2006/main" xmlns:r="http://schemas.openxmlformats.org/officeDocument/2006/relationships" xmlns:p="http://schemas.openxmlformats.org/presentationml/2006/main">
+  <p:cSld>
+    <p:spTree>
+      <p:nvGrpSpPr>
+        <p:cNvPr id="1" name=""/>
+        <p:cNvGrpSpPr/>
+        <p:nvPr/>
+      </p:nvGrpSpPr>
+      <p:grpSpPr>
+        <a:xfrm>
+          <a:off x="0" y="0"/>
+          <a:ext cx="0" cy="0"/>
+          <a:chOff x="0" y="0"/>
+          <a:chExt cx="0" cy="0"/>
+        </a:xfrm>
+      </p:grpSpPr>
+      <p:sp>
+        <p:nvSpPr>
+          <p:cNvPr id="2" name="Slide Image Placeholder 1"/>
+          <p:cNvSpPr>
+            <a:spLocks noGrp="1" noRot="1" noChangeAspect="1"/>
+          </p:cNvSpPr>
+          <p:nvPr>
+            <p:ph type="sldImg"/>
+          </p:nvPr>
+        </p:nvSpPr>
+        <p:spPr/>
+      </p:sp>
+      <p:sp>
+        <p:nvSpPr>
+          <p:cNvPr id="3" name="Notes Placeholder 2"/>
+          <p:cNvSpPr>
+            <a:spLocks noGrp="1"/>
+          </p:cNvSpPr>
+          <p:nvPr>
+            <p:ph type="body" idx="1"/>
+          </p:nvPr>
+        </p:nvSpPr>
+        <p:spPr/>
+        <p:txBody>
+          <a:bodyPr/>
+          <a:lstStyle/>
+          <a:p>
+            <a:r>
+              <a:rPr lang="en-US" dirty="0"/>
+              <a:t>App is playing important role in the App Store. We can directly tell it from the name. </a:t>
+            </a:r>
+          </a:p>
+        </p:txBody>
+      </p:sp>
+      <p:sp>
+        <p:nvSpPr>
+          <p:cNvPr id="4" name="Slide Number Placeholder 3"/>
+          <p:cNvSpPr>
+            <a:spLocks noGrp="1"/>
+          </p:cNvSpPr>
+          <p:nvPr>
+            <p:ph type="sldNum" sz="quarter" idx="5"/>
+          </p:nvPr>
+        </p:nvSpPr>
+        <p:spPr/>
+        <p:txBody>
+          <a:bodyPr/>
+          <a:lstStyle/>
+          <a:p>
+            <a:fld id="{7A80126A-2C1F-4445-B2AC-683273255DF9}" type="slidenum">
+              <a:rPr lang="en-US" smtClean="0"/>
+              <a:t>6</a:t>
+            </a:fld>
+            <a:endParaRPr lang="en-US"/>
+          </a:p>
+        </p:txBody>
+      </p:sp>
+    </p:spTree>
+    <p:extLst>
+      <p:ext uri="{BB962C8B-B14F-4D97-AF65-F5344CB8AC3E}">
+        <p14:creationId xmlns:p14="http://schemas.microsoft.com/office/powerpoint/2010/main" val="2909970263"/>
+      </p:ext>
+    </p:extLst>
+  </p:cSld>
+  <p:clrMapOvr>
+    <a:masterClrMapping/>
+  </p:clrMapOvr>
+</p:notes>
+</file>
+
+<file path=ppt/notesSlides/notesSlide5.xml><?xml version="1.0" encoding="utf-8"?>
+<p:notes xmlns:a="http://schemas.openxmlformats.org/drawingml/2006/main" xmlns:r="http://schemas.openxmlformats.org/officeDocument/2006/relationships" xmlns:p="http://schemas.openxmlformats.org/presentationml/2006/main">
+  <p:cSld>
+    <p:spTree>
+      <p:nvGrpSpPr>
+        <p:cNvPr id="1" name=""/>
+        <p:cNvGrpSpPr/>
+        <p:nvPr/>
+      </p:nvGrpSpPr>
+      <p:grpSpPr>
+        <a:xfrm>
+          <a:off x="0" y="0"/>
+          <a:ext cx="0" cy="0"/>
+          <a:chOff x="0" y="0"/>
+          <a:chExt cx="0" cy="0"/>
+        </a:xfrm>
+      </p:grpSpPr>
+      <p:sp>
+        <p:nvSpPr>
+          <p:cNvPr id="2" name="Slide Image Placeholder 1"/>
+          <p:cNvSpPr>
+            <a:spLocks noGrp="1" noRot="1" noChangeAspect="1"/>
+          </p:cNvSpPr>
+          <p:nvPr>
+            <p:ph type="sldImg"/>
+          </p:nvPr>
+        </p:nvSpPr>
+        <p:spPr/>
+      </p:sp>
+      <p:sp>
+        <p:nvSpPr>
+          <p:cNvPr id="3" name="Notes Placeholder 2"/>
+          <p:cNvSpPr>
+            <a:spLocks noGrp="1"/>
+          </p:cNvSpPr>
+          <p:nvPr>
+            <p:ph type="body" idx="1"/>
+          </p:nvPr>
+        </p:nvSpPr>
+        <p:spPr/>
+        <p:txBody>
+          <a:bodyPr/>
+          <a:lstStyle/>
+          <a:p>
+            <a:r>
+              <a:rPr lang="en-US" dirty="0"/>
+              <a:t>not include the data before wk23 and after wk33</a:t>
+            </a:r>
+          </a:p>
+          <a:p>
+            <a:endParaRPr lang="en-US" dirty="0"/>
+          </a:p>
+          <a:p>
+            <a:r>
+              <a:rPr lang="en-US" dirty="0"/>
+              <a:t>4. as long as you reach the PV threshold, you will very likely to be in the top 5. </a:t>
+            </a:r>
+          </a:p>
+        </p:txBody>
+      </p:sp>
+      <p:sp>
+        <p:nvSpPr>
+          <p:cNvPr id="4" name="Slide Number Placeholder 3"/>
+          <p:cNvSpPr>
+            <a:spLocks noGrp="1"/>
+          </p:cNvSpPr>
+          <p:nvPr>
+            <p:ph type="sldNum" sz="quarter" idx="5"/>
+          </p:nvPr>
+        </p:nvSpPr>
+        <p:spPr/>
+        <p:txBody>
+          <a:bodyPr/>
+          <a:lstStyle/>
+          <a:p>
+            <a:fld id="{7A80126A-2C1F-4445-B2AC-683273255DF9}" type="slidenum">
+              <a:rPr lang="en-US" smtClean="0"/>
+              <a:t>7</a:t>
+            </a:fld>
+            <a:endParaRPr lang="en-US"/>
+          </a:p>
+        </p:txBody>
+      </p:sp>
+    </p:spTree>
+    <p:extLst>
+      <p:ext uri="{BB962C8B-B14F-4D97-AF65-F5344CB8AC3E}">
+        <p14:creationId xmlns:p14="http://schemas.microsoft.com/office/powerpoint/2010/main" val="3846478411"/>
+      </p:ext>
+    </p:extLst>
+  </p:cSld>
+  <p:clrMapOvr>
+    <a:masterClrMapping/>
+  </p:clrMapOvr>
+</p:notes>
+</file>
+
+<file path=ppt/notesSlides/notesSlide6.xml><?xml version="1.0" encoding="utf-8"?>
+<p:notes xmlns:a="http://schemas.openxmlformats.org/drawingml/2006/main" xmlns:r="http://schemas.openxmlformats.org/officeDocument/2006/relationships" xmlns:p="http://schemas.openxmlformats.org/presentationml/2006/main">
+  <p:cSld>
+    <p:spTree>
+      <p:nvGrpSpPr>
+        <p:cNvPr id="1" name=""/>
+        <p:cNvGrpSpPr/>
+        <p:nvPr/>
+      </p:nvGrpSpPr>
+      <p:grpSpPr>
+        <a:xfrm>
+          <a:off x="0" y="0"/>
+          <a:ext cx="0" cy="0"/>
+          <a:chOff x="0" y="0"/>
+          <a:chExt cx="0" cy="0"/>
+        </a:xfrm>
+      </p:grpSpPr>
+      <p:sp>
+        <p:nvSpPr>
+          <p:cNvPr id="2" name="Slide Image Placeholder 1"/>
+          <p:cNvSpPr>
+            <a:spLocks noGrp="1" noRot="1" noChangeAspect="1"/>
+          </p:cNvSpPr>
+          <p:nvPr>
+            <p:ph type="sldImg"/>
+          </p:nvPr>
+        </p:nvSpPr>
+        <p:spPr/>
+      </p:sp>
+      <p:sp>
+        <p:nvSpPr>
+          <p:cNvPr id="3" name="Notes Placeholder 2"/>
+          <p:cNvSpPr>
+            <a:spLocks noGrp="1"/>
+          </p:cNvSpPr>
+          <p:nvPr>
+            <p:ph type="body" idx="1"/>
+          </p:nvPr>
+        </p:nvSpPr>
+        <p:spPr/>
+        <p:txBody>
+          <a:bodyPr/>
+          <a:lstStyle/>
+          <a:p>
+            <a:r>
+              <a:rPr lang="en-US" dirty="0"/>
+              <a:t>Twinning might be needed to prove the effect of dual-platform effect. </a:t>
+            </a:r>
+          </a:p>
+        </p:txBody>
+      </p:sp>
+      <p:sp>
+        <p:nvSpPr>
+          <p:cNvPr id="4" name="Slide Number Placeholder 3"/>
+          <p:cNvSpPr>
+            <a:spLocks noGrp="1"/>
+          </p:cNvSpPr>
+          <p:nvPr>
+            <p:ph type="sldNum" sz="quarter" idx="5"/>
+          </p:nvPr>
+        </p:nvSpPr>
+        <p:spPr/>
+        <p:txBody>
+          <a:bodyPr/>
+          <a:lstStyle/>
+          <a:p>
+            <a:fld id="{7A80126A-2C1F-4445-B2AC-683273255DF9}" type="slidenum">
+              <a:rPr lang="en-US" smtClean="0"/>
+              <a:t>12</a:t>
+            </a:fld>
+            <a:endParaRPr lang="en-US"/>
+          </a:p>
+        </p:txBody>
+      </p:sp>
+    </p:spTree>
+    <p:extLst>
+      <p:ext uri="{BB962C8B-B14F-4D97-AF65-F5344CB8AC3E}">
+        <p14:creationId xmlns:p14="http://schemas.microsoft.com/office/powerpoint/2010/main" val="1869277788"/>
+      </p:ext>
+    </p:extLst>
+  </p:cSld>
+  <p:clrMapOvr>
+    <a:masterClrMapping/>
+  </p:clrMapOvr>
+</p:notes>
+</file>
+
+<file path=ppt/notesSlides/notesSlide7.xml><?xml version="1.0" encoding="utf-8"?>
+<p:notes xmlns:a="http://schemas.openxmlformats.org/drawingml/2006/main" xmlns:r="http://schemas.openxmlformats.org/officeDocument/2006/relationships" xmlns:p="http://schemas.openxmlformats.org/presentationml/2006/main">
+  <p:cSld>
+    <p:spTree>
+      <p:nvGrpSpPr>
+        <p:cNvPr id="1" name=""/>
+        <p:cNvGrpSpPr/>
+        <p:nvPr/>
+      </p:nvGrpSpPr>
+      <p:grpSpPr>
+        <a:xfrm>
+          <a:off x="0" y="0"/>
+          <a:ext cx="0" cy="0"/>
+          <a:chOff x="0" y="0"/>
+          <a:chExt cx="0" cy="0"/>
+        </a:xfrm>
+      </p:grpSpPr>
+      <p:sp>
+        <p:nvSpPr>
+          <p:cNvPr id="2" name="Slide Image Placeholder 1"/>
+          <p:cNvSpPr>
+            <a:spLocks noGrp="1" noRot="1" noChangeAspect="1"/>
+          </p:cNvSpPr>
+          <p:nvPr>
+            <p:ph type="sldImg"/>
+          </p:nvPr>
+        </p:nvSpPr>
+        <p:spPr/>
+      </p:sp>
+      <p:sp>
+        <p:nvSpPr>
+          <p:cNvPr id="3" name="Notes Placeholder 2"/>
+          <p:cNvSpPr>
+            <a:spLocks noGrp="1"/>
+          </p:cNvSpPr>
+          <p:nvPr>
+            <p:ph type="body" idx="1"/>
+          </p:nvPr>
+        </p:nvSpPr>
+        <p:spPr/>
+        <p:txBody>
+          <a:bodyPr/>
+          <a:lstStyle/>
+          <a:p>
+            <a:r>
+              <a:rPr lang="en-US" dirty="0"/>
+              <a:t>simple recommendation</a:t>
+            </a:r>
+          </a:p>
+          <a:p>
+            <a:r>
+              <a:rPr lang="en-US" dirty="0"/>
+              <a:t>adjacent only</a:t>
+            </a:r>
+          </a:p>
+        </p:txBody>
+      </p:sp>
+      <p:sp>
+        <p:nvSpPr>
+          <p:cNvPr id="4" name="Slide Number Placeholder 3"/>
+          <p:cNvSpPr>
+            <a:spLocks noGrp="1"/>
+          </p:cNvSpPr>
+          <p:nvPr>
+            <p:ph type="sldNum" sz="quarter" idx="5"/>
+          </p:nvPr>
+        </p:nvSpPr>
+        <p:spPr/>
+        <p:txBody>
+          <a:bodyPr/>
+          <a:lstStyle/>
+          <a:p>
+            <a:fld id="{7A80126A-2C1F-4445-B2AC-683273255DF9}" type="slidenum">
+              <a:rPr lang="en-US" smtClean="0"/>
+              <a:t>14</a:t>
+            </a:fld>
+            <a:endParaRPr lang="en-US"/>
+          </a:p>
+        </p:txBody>
+      </p:sp>
+    </p:spTree>
+    <p:extLst>
+      <p:ext uri="{BB962C8B-B14F-4D97-AF65-F5344CB8AC3E}">
+        <p14:creationId xmlns:p14="http://schemas.microsoft.com/office/powerpoint/2010/main" val="2037722081"/>
+      </p:ext>
+    </p:extLst>
+  </p:cSld>
+  <p:clrMapOvr>
+    <a:masterClrMapping/>
+  </p:clrMapOvr>
+</p:notes>
+</file>
+
+<file path=ppt/notesSlides/notesSlide8.xml><?xml version="1.0" encoding="utf-8"?>
+<p:notes xmlns:a="http://schemas.openxmlformats.org/drawingml/2006/main" xmlns:r="http://schemas.openxmlformats.org/officeDocument/2006/relationships" xmlns:p="http://schemas.openxmlformats.org/presentationml/2006/main">
+  <p:cSld>
+    <p:spTree>
+      <p:nvGrpSpPr>
+        <p:cNvPr id="1" name=""/>
+        <p:cNvGrpSpPr/>
+        <p:nvPr/>
+      </p:nvGrpSpPr>
+      <p:grpSpPr>
+        <a:xfrm>
+          <a:off x="0" y="0"/>
+          <a:ext cx="0" cy="0"/>
+          <a:chOff x="0" y="0"/>
+          <a:chExt cx="0" cy="0"/>
+        </a:xfrm>
+      </p:grpSpPr>
+      <p:sp>
+        <p:nvSpPr>
+          <p:cNvPr id="2" name="Slide Image Placeholder 1"/>
+          <p:cNvSpPr>
+            <a:spLocks noGrp="1" noRot="1" noChangeAspect="1"/>
+          </p:cNvSpPr>
+          <p:nvPr>
+            <p:ph type="sldImg"/>
+          </p:nvPr>
+        </p:nvSpPr>
+        <p:spPr/>
+      </p:sp>
+      <p:sp>
+        <p:nvSpPr>
+          <p:cNvPr id="3" name="Notes Placeholder 2"/>
+          <p:cNvSpPr>
+            <a:spLocks noGrp="1"/>
+          </p:cNvSpPr>
+          <p:nvPr>
+            <p:ph type="body" idx="1"/>
+          </p:nvPr>
+        </p:nvSpPr>
+        <p:spPr/>
+        <p:txBody>
+          <a:bodyPr/>
+          <a:lstStyle/>
+          <a:p>
+            <a:r>
+              <a:rPr lang="en-US" dirty="0"/>
+              <a:t>I should group by transaction type if time permits to better understand the recurring purchase.  To see if it is a subjective purchase behavior. </a:t>
             </a:r>
           </a:p>
         </p:txBody>
@@ -46284,7 +46752,7 @@
           <a:graphicData uri="http://schemas.openxmlformats.org/presentationml/2006/ole">
             <mc:AlternateContent xmlns:mc="http://schemas.openxmlformats.org/markup-compatibility/2006">
               <mc:Choice xmlns:v="urn:schemas-microsoft-com:vml" Requires="v">
-                <p:oleObj spid="_x0000_s6175" name="Worksheet" r:id="rId4" imgW="6636982" imgH="2034602" progId="Excel.Sheet.12">
+                <p:oleObj spid="_x0000_s6209" name="Worksheet" r:id="rId4" imgW="6636982" imgH="2034602" progId="Excel.Sheet.12">
                   <p:embed/>
                 </p:oleObj>
               </mc:Choice>
@@ -46347,7 +46815,7 @@
           <a:graphicData uri="http://schemas.openxmlformats.org/presentationml/2006/ole">
             <mc:AlternateContent xmlns:mc="http://schemas.openxmlformats.org/markup-compatibility/2006">
               <mc:Choice xmlns:v="urn:schemas-microsoft-com:vml" Requires="v">
-                <p:oleObj spid="_x0000_s6176" name="Worksheet" r:id="rId6" imgW="6636982" imgH="2034602" progId="Excel.Sheet.12">
+                <p:oleObj spid="_x0000_s6210" name="Worksheet" r:id="rId6" imgW="6636982" imgH="2034602" progId="Excel.Sheet.12">
                   <p:embed/>
                 </p:oleObj>
               </mc:Choice>
@@ -46993,7 +47461,7 @@
                   <a:schemeClr val="bg1"/>
                 </a:solidFill>
               </a:rPr>
-              <a:t>, App Store has gained $49848 more revenue comparing to a regular week, which is a 4% increase. Specifically, there is a 27% boost on July 4</a:t>
+              <a:t>, App Store has gained ~$50k more revenue comparing to a regular week, which is a 4% increase. Specifically, there is a 27% boost on July 4</a:t>
             </a:r>
             <a:r>
               <a:rPr lang="en-US" sz="1000" baseline="30000" dirty="0">
@@ -48093,45 +48561,6 @@
       </p:sp>
       <p:sp>
         <p:nvSpPr>
-          <p:cNvPr id="72" name="TextBox 71">
-            <a:extLst>
-              <a:ext uri="{FF2B5EF4-FFF2-40B4-BE49-F238E27FC236}">
-                <a16:creationId xmlns:a16="http://schemas.microsoft.com/office/drawing/2014/main" id="{8CDCE30B-3D5B-4A75-BABC-1D5859A66124}"/>
-              </a:ext>
-            </a:extLst>
-          </p:cNvPr>
-          <p:cNvSpPr txBox="1"/>
-          <p:nvPr/>
-        </p:nvSpPr>
-        <p:spPr>
-          <a:xfrm>
-            <a:off x="109314" y="6538348"/>
-            <a:ext cx="5293437" cy="215444"/>
-          </a:xfrm>
-          <a:prstGeom prst="rect">
-            <a:avLst/>
-          </a:prstGeom>
-          <a:noFill/>
-        </p:spPr>
-        <p:txBody>
-          <a:bodyPr wrap="none" rtlCol="0">
-            <a:spAutoFit/>
-          </a:bodyPr>
-          <a:lstStyle/>
-          <a:p>
-            <a:r>
-              <a:rPr lang="en-US" sz="800" dirty="0">
-                <a:solidFill>
-                  <a:schemeClr val="bg1"/>
-                </a:solidFill>
-              </a:rPr>
-              <a:t>* iPad ~ Both means such transaction that an iPad downloads an app that is available on both iPad and iPhone. </a:t>
-            </a:r>
-          </a:p>
-        </p:txBody>
-      </p:sp>
-      <p:sp>
-        <p:nvSpPr>
           <p:cNvPr id="2" name="TextBox 1">
             <a:extLst>
               <a:ext uri="{FF2B5EF4-FFF2-40B4-BE49-F238E27FC236}">
@@ -48295,7 +48724,7 @@
           <p:nvPr/>
         </p:nvPicPr>
         <p:blipFill>
-          <a:blip r:embed="rId2">
+          <a:blip r:embed="rId3">
             <a:extLst>
               <a:ext uri="{28A0092B-C50C-407E-A947-70E740481C1C}">
                 <a14:useLocalDpi xmlns:a14="http://schemas.microsoft.com/office/drawing/2010/main" val="0"/>
@@ -48502,45 +48931,6 @@
       </p:sp>
       <p:sp>
         <p:nvSpPr>
-          <p:cNvPr id="72" name="TextBox 71">
-            <a:extLst>
-              <a:ext uri="{FF2B5EF4-FFF2-40B4-BE49-F238E27FC236}">
-                <a16:creationId xmlns:a16="http://schemas.microsoft.com/office/drawing/2014/main" id="{8CDCE30B-3D5B-4A75-BABC-1D5859A66124}"/>
-              </a:ext>
-            </a:extLst>
-          </p:cNvPr>
-          <p:cNvSpPr txBox="1"/>
-          <p:nvPr/>
-        </p:nvSpPr>
-        <p:spPr>
-          <a:xfrm>
-            <a:off x="109314" y="6538348"/>
-            <a:ext cx="5293437" cy="215444"/>
-          </a:xfrm>
-          <a:prstGeom prst="rect">
-            <a:avLst/>
-          </a:prstGeom>
-          <a:noFill/>
-        </p:spPr>
-        <p:txBody>
-          <a:bodyPr wrap="none" rtlCol="0">
-            <a:spAutoFit/>
-          </a:bodyPr>
-          <a:lstStyle/>
-          <a:p>
-            <a:r>
-              <a:rPr lang="en-US" sz="800" dirty="0">
-                <a:solidFill>
-                  <a:schemeClr val="bg1"/>
-                </a:solidFill>
-              </a:rPr>
-              <a:t>* iPad ~ Both means such transaction that an iPad downloads an app that is available on both iPad and iPhone. </a:t>
-            </a:r>
-          </a:p>
-        </p:txBody>
-      </p:sp>
-      <p:sp>
-        <p:nvSpPr>
           <p:cNvPr id="2" name="TextBox 1">
             <a:extLst>
               <a:ext uri="{FF2B5EF4-FFF2-40B4-BE49-F238E27FC236}">
@@ -48690,7 +49080,7 @@
           <p:nvPr/>
         </p:nvPicPr>
         <p:blipFill rotWithShape="1">
-          <a:blip r:embed="rId2"/>
+          <a:blip r:embed="rId3"/>
           <a:srcRect l="67438" t="20320" r="21750" b="58667"/>
           <a:stretch/>
         </p:blipFill>
@@ -48719,7 +49109,7 @@
           <p:nvPr/>
         </p:nvPicPr>
         <p:blipFill rotWithShape="1">
-          <a:blip r:embed="rId3"/>
+          <a:blip r:embed="rId4"/>
           <a:srcRect l="67395" t="20260" r="21738" b="54877"/>
           <a:stretch/>
         </p:blipFill>
@@ -48906,7 +49296,7 @@
         </p:xfrm>
         <a:graphic>
           <a:graphicData uri="http://schemas.openxmlformats.org/drawingml/2006/chart">
-            <c:chart xmlns:c="http://schemas.openxmlformats.org/drawingml/2006/chart" xmlns:r="http://schemas.openxmlformats.org/officeDocument/2006/relationships" r:id="rId3"/>
+            <c:chart xmlns:c="http://schemas.openxmlformats.org/drawingml/2006/chart" xmlns:r="http://schemas.openxmlformats.org/officeDocument/2006/relationships" r:id="rId4"/>
           </a:graphicData>
         </a:graphic>
       </p:graphicFrame>
@@ -48938,12 +49328,12 @@
           <a:graphicData uri="http://schemas.openxmlformats.org/presentationml/2006/ole">
             <mc:AlternateContent xmlns:mc="http://schemas.openxmlformats.org/markup-compatibility/2006">
               <mc:Choice xmlns:v="urn:schemas-microsoft-com:vml" Requires="v">
-                <p:oleObj spid="_x0000_s2087" name="Worksheet" r:id="rId4" imgW="11224216" imgH="3680618" progId="Excel.Sheet.12">
+                <p:oleObj spid="_x0000_s2104" name="Worksheet" r:id="rId5" imgW="11224216" imgH="3680618" progId="Excel.Sheet.12">
                   <p:embed/>
                 </p:oleObj>
               </mc:Choice>
               <mc:Fallback>
-                <p:oleObj name="Worksheet" r:id="rId4" imgW="11224216" imgH="3680618" progId="Excel.Sheet.12">
+                <p:oleObj name="Worksheet" r:id="rId5" imgW="11224216" imgH="3680618" progId="Excel.Sheet.12">
                   <p:embed/>
                   <p:pic>
                     <p:nvPicPr>
@@ -48952,7 +49342,7 @@
                       <p:nvPr/>
                     </p:nvPicPr>
                     <p:blipFill>
-                      <a:blip r:embed="rId5"/>
+                      <a:blip r:embed="rId6"/>
                       <a:stretch>
                         <a:fillRect/>
                       </a:stretch>
@@ -49238,7 +49628,7 @@
           <a:graphicData uri="http://schemas.openxmlformats.org/presentationml/2006/ole">
             <mc:AlternateContent xmlns:mc="http://schemas.openxmlformats.org/markup-compatibility/2006">
               <mc:Choice xmlns:v="urn:schemas-microsoft-com:vml" Requires="v">
-                <p:oleObj spid="_x0000_s5152" name="Worksheet" r:id="rId3" imgW="11224321" imgH="3680522" progId="Excel.Sheet.12">
+                <p:oleObj spid="_x0000_s5169" name="Worksheet" r:id="rId3" imgW="11224321" imgH="3680522" progId="Excel.Sheet.12">
                   <p:embed/>
                 </p:oleObj>
               </mc:Choice>
@@ -49810,7 +50200,7 @@
           <a:graphicData uri="http://schemas.openxmlformats.org/presentationml/2006/ole">
             <mc:AlternateContent xmlns:mc="http://schemas.openxmlformats.org/markup-compatibility/2006">
               <mc:Choice xmlns:v="urn:schemas-microsoft-com:vml" Requires="v">
-                <p:oleObj spid="_x0000_s4159" name="Worksheet" r:id="rId4" imgW="1074377" imgH="2903158" progId="Excel.Sheet.12">
+                <p:oleObj spid="_x0000_s4193" name="Worksheet" r:id="rId4" imgW="1074377" imgH="2903158" progId="Excel.Sheet.12">
                   <p:embed/>
                 </p:oleObj>
               </mc:Choice>
@@ -49873,7 +50263,7 @@
           <a:graphicData uri="http://schemas.openxmlformats.org/presentationml/2006/ole">
             <mc:AlternateContent xmlns:mc="http://schemas.openxmlformats.org/markup-compatibility/2006">
               <mc:Choice xmlns:v="urn:schemas-microsoft-com:vml" Requires="v">
-                <p:oleObj spid="_x0000_s4160" name="Worksheet" r:id="rId6" imgW="1074377" imgH="2903158" progId="Excel.Sheet.12">
+                <p:oleObj spid="_x0000_s4194" name="Worksheet" r:id="rId6" imgW="1074377" imgH="2903158" progId="Excel.Sheet.12">
                   <p:embed/>
                 </p:oleObj>
               </mc:Choice>
